--- a/Group7MiniProject8.pptx
+++ b/Group7MiniProject8.pptx
@@ -5949,8 +5949,33 @@
                 <a:latin typeface="Arial" panose="020B0604020202020204" pitchFamily="34" charset="0"/>
                 <a:cs typeface="Arial" panose="020B0604020202020204" pitchFamily="34" charset="0"/>
               </a:rPr>
-              <a:t> CP</a:t>
-            </a:r>
+              <a:t> </a:t>
+            </a:r>
+            <a:r>
+              <a:rPr lang="en-US" altLang="zh-CN" sz="2000" dirty="0" smtClean="0">
+                <a:latin typeface="Arial" panose="020B0604020202020204" pitchFamily="34" charset="0"/>
+                <a:cs typeface="Arial" panose="020B0604020202020204" pitchFamily="34" charset="0"/>
+              </a:rPr>
+              <a:t>CP </a:t>
+            </a:r>
+            <a:r>
+              <a:rPr lang="en-US" altLang="zh-CN" sz="2000" dirty="0" err="1" smtClean="0">
+                <a:latin typeface="Arial" panose="020B0604020202020204" pitchFamily="34" charset="0"/>
+                <a:cs typeface="Arial" panose="020B0604020202020204" pitchFamily="34" charset="0"/>
+              </a:rPr>
+              <a:t>và</a:t>
+            </a:r>
+            <a:r>
+              <a:rPr lang="en-US" altLang="zh-CN" sz="2000" dirty="0" smtClean="0">
+                <a:latin typeface="Arial" panose="020B0604020202020204" pitchFamily="34" charset="0"/>
+                <a:cs typeface="Arial" panose="020B0604020202020204" pitchFamily="34" charset="0"/>
+              </a:rPr>
+              <a:t> CBLS</a:t>
+            </a:r>
+            <a:endParaRPr lang="en-US" altLang="zh-CN" sz="2000" dirty="0">
+              <a:latin typeface="Arial" panose="020B0604020202020204" pitchFamily="34" charset="0"/>
+              <a:cs typeface="Arial" panose="020B0604020202020204" pitchFamily="34" charset="0"/>
+            </a:endParaRPr>
           </a:p>
           <a:p>
             <a:pPr>
@@ -5958,62 +5983,14 @@
               <a:buChar char="§"/>
             </a:pPr>
             <a:r>
-              <a:rPr lang="en-US" altLang="zh-CN" sz="2000" dirty="0" err="1">
-                <a:latin typeface="Arial" panose="020B0604020202020204" pitchFamily="34" charset="0"/>
-                <a:cs typeface="Arial" panose="020B0604020202020204" pitchFamily="34" charset="0"/>
-              </a:rPr>
-              <a:t>Mô</a:t>
-            </a:r>
-            <a:r>
-              <a:rPr lang="en-US" altLang="zh-CN" sz="2000" dirty="0">
-                <a:latin typeface="Arial" panose="020B0604020202020204" pitchFamily="34" charset="0"/>
-                <a:cs typeface="Arial" panose="020B0604020202020204" pitchFamily="34" charset="0"/>
-              </a:rPr>
-              <a:t> </a:t>
-            </a:r>
-            <a:r>
-              <a:rPr lang="en-US" altLang="zh-CN" sz="2000" dirty="0" err="1">
-                <a:latin typeface="Arial" panose="020B0604020202020204" pitchFamily="34" charset="0"/>
-                <a:cs typeface="Arial" panose="020B0604020202020204" pitchFamily="34" charset="0"/>
-              </a:rPr>
-              <a:t>hình</a:t>
-            </a:r>
-            <a:r>
-              <a:rPr lang="en-US" altLang="zh-CN" sz="2000" dirty="0">
-                <a:latin typeface="Arial" panose="020B0604020202020204" pitchFamily="34" charset="0"/>
-                <a:cs typeface="Arial" panose="020B0604020202020204" pitchFamily="34" charset="0"/>
-              </a:rPr>
-              <a:t> </a:t>
-            </a:r>
-            <a:r>
-              <a:rPr lang="en-US" altLang="zh-CN" sz="2000" dirty="0" err="1">
-                <a:latin typeface="Arial" panose="020B0604020202020204" pitchFamily="34" charset="0"/>
-                <a:cs typeface="Arial" panose="020B0604020202020204" pitchFamily="34" charset="0"/>
-              </a:rPr>
-              <a:t>hoá</a:t>
-            </a:r>
-            <a:r>
-              <a:rPr lang="en-US" altLang="zh-CN" sz="2000" dirty="0">
-                <a:latin typeface="Arial" panose="020B0604020202020204" pitchFamily="34" charset="0"/>
-                <a:cs typeface="Arial" panose="020B0604020202020204" pitchFamily="34" charset="0"/>
-              </a:rPr>
-              <a:t> CBLS with TabuSearch</a:t>
-            </a:r>
-          </a:p>
-          <a:p>
-            <a:pPr>
-              <a:buFont typeface="Wingdings" panose="05000000000000000000" pitchFamily="2" charset="2"/>
-              <a:buChar char="§"/>
-            </a:pPr>
-            <a:r>
-              <a:rPr lang="en-US" altLang="zh-CN" sz="2000" dirty="0" err="1">
+              <a:rPr lang="en-US" altLang="zh-CN" sz="2000" dirty="0" err="1" smtClean="0">
                 <a:latin typeface="Arial" panose="020B0604020202020204" pitchFamily="34" charset="0"/>
                 <a:cs typeface="Arial" panose="020B0604020202020204" pitchFamily="34" charset="0"/>
               </a:rPr>
               <a:t>Kết</a:t>
             </a:r>
             <a:r>
-              <a:rPr lang="en-US" altLang="zh-CN" sz="2000" dirty="0">
+              <a:rPr lang="en-US" altLang="zh-CN" sz="2000" dirty="0" smtClean="0">
                 <a:latin typeface="Arial" panose="020B0604020202020204" pitchFamily="34" charset="0"/>
                 <a:cs typeface="Arial" panose="020B0604020202020204" pitchFamily="34" charset="0"/>
               </a:rPr>
@@ -17612,8 +17589,8 @@
           </a:p>
         </p:txBody>
       </p:sp>
-      <mc:AlternateContent xmlns:mc="http://schemas.openxmlformats.org/markup-compatibility/2006">
-        <mc:Choice xmlns:a14="http://schemas.microsoft.com/office/drawing/2010/main" Requires="a14">
+      <mc:AlternateContent xmlns:mc="http://schemas.openxmlformats.org/markup-compatibility/2006" xmlns:a14="http://schemas.microsoft.com/office/drawing/2010/main">
+        <mc:Choice Requires="a14">
           <p:sp>
             <p:nvSpPr>
               <p:cNvPr id="26" name="Content Placeholder 2">
@@ -18035,14 +18012,7 @@
                     <a:latin typeface="Arial" panose="020B0604020202020204" pitchFamily="34" charset="0"/>
                     <a:cs typeface="Arial" panose="020B0604020202020204" pitchFamily="34" charset="0"/>
                   </a:rPr>
-                  <a:t>môn</a:t>
-                </a:r>
-                <a:r>
-                  <a:rPr lang="en-GB" sz="1800" dirty="0" smtClean="0">
-                    <a:latin typeface="Arial" panose="020B0604020202020204" pitchFamily="34" charset="0"/>
-                    <a:cs typeface="Arial" panose="020B0604020202020204" pitchFamily="34" charset="0"/>
-                  </a:rPr>
-                  <a:t> </a:t>
+                  <a:t>môn </a:t>
                 </a:r>
                 <a14:m>
                   <m:oMath xmlns:m="http://schemas.openxmlformats.org/officeDocument/2006/math">
@@ -18828,7 +18798,7 @@
             </p:txBody>
           </p:sp>
         </mc:Choice>
-        <mc:Fallback>
+        <mc:Fallback xmlns="">
           <p:sp>
             <p:nvSpPr>
               <p:cNvPr id="26" name="Content Placeholder 2">
@@ -21163,18 +21133,18 @@
 </file>
 
 <file path=customXml/item1.xml><?xml version="1.0" encoding="utf-8"?>
+<p:properties xmlns:p="http://schemas.microsoft.com/office/2006/metadata/properties" xmlns:xsi="http://www.w3.org/2001/XMLSchema-instance" xmlns:pc="http://schemas.microsoft.com/office/infopath/2007/PartnerControls">
+  <documentManagement/>
+</p:properties>
+</file>
+
+<file path=customXml/item2.xml><?xml version="1.0" encoding="utf-8"?>
 <?mso-contentType ?>
 <FormTemplates xmlns="http://schemas.microsoft.com/sharepoint/v3/contenttype/forms">
   <Display>DocumentLibraryForm</Display>
   <Edit>DocumentLibraryForm</Edit>
   <New>DocumentLibraryForm</New>
 </FormTemplates>
-</file>
-
-<file path=customXml/item2.xml><?xml version="1.0" encoding="utf-8"?>
-<p:properties xmlns:p="http://schemas.microsoft.com/office/2006/metadata/properties" xmlns:xsi="http://www.w3.org/2001/XMLSchema-instance" xmlns:pc="http://schemas.microsoft.com/office/infopath/2007/PartnerControls">
-  <documentManagement/>
-</p:properties>
 </file>
 
 <file path=customXml/item3.xml><?xml version="1.0" encoding="utf-8"?>
@@ -21310,18 +21280,18 @@
 </file>
 
 <file path=customXml/itemProps1.xml><?xml version="1.0" encoding="utf-8"?>
-<ds:datastoreItem xmlns:ds="http://schemas.openxmlformats.org/officeDocument/2006/customXml" ds:itemID="{D19FB995-5DF8-46C9-91D4-F25E982A7212}">
+<ds:datastoreItem xmlns:ds="http://schemas.openxmlformats.org/officeDocument/2006/customXml" ds:itemID="{CCA6DDA4-ADD7-467C-A4F1-2215E58E3CD9}">
   <ds:schemaRefs>
-    <ds:schemaRef ds:uri="http://schemas.microsoft.com/sharepoint/v3/contenttype/forms"/>
+    <ds:schemaRef ds:uri="http://schemas.microsoft.com/office/2006/metadata/properties"/>
+    <ds:schemaRef ds:uri="http://schemas.microsoft.com/office/infopath/2007/PartnerControls"/>
   </ds:schemaRefs>
 </ds:datastoreItem>
 </file>
 
 <file path=customXml/itemProps2.xml><?xml version="1.0" encoding="utf-8"?>
-<ds:datastoreItem xmlns:ds="http://schemas.openxmlformats.org/officeDocument/2006/customXml" ds:itemID="{CCA6DDA4-ADD7-467C-A4F1-2215E58E3CD9}">
+<ds:datastoreItem xmlns:ds="http://schemas.openxmlformats.org/officeDocument/2006/customXml" ds:itemID="{D19FB995-5DF8-46C9-91D4-F25E982A7212}">
   <ds:schemaRefs>
-    <ds:schemaRef ds:uri="http://schemas.microsoft.com/office/2006/metadata/properties"/>
-    <ds:schemaRef ds:uri="http://schemas.microsoft.com/office/infopath/2007/PartnerControls"/>
+    <ds:schemaRef ds:uri="http://schemas.microsoft.com/sharepoint/v3/contenttype/forms"/>
   </ds:schemaRefs>
 </ds:datastoreItem>
 </file>
